--- a/plf3_5/eXoFundamentals/010-Training-Intro/010-Training-Intro.pptx
+++ b/plf3_5/eXoFundamentals/010-Training-Intro/010-Training-Intro.pptx
@@ -290,7 +290,7 @@
               <a:pPr>
                 <a:defRPr/>
               </a:pPr>
-              <a:t>12/03/04</a:t>
+              <a:t>12/03/07</a:t>
             </a:fld>
             <a:endParaRPr lang="en-US"/>
           </a:p>
@@ -10333,11 +10333,7 @@
           <a:p>
             <a:r>
               <a:rPr lang="en-US" dirty="0" smtClean="0"/>
-              <a:t>Introduction to </a:t>
-            </a:r>
-            <a:r>
-              <a:rPr lang="en-US" dirty="0" smtClean="0"/>
-              <a:t>eXo Training</a:t>
+              <a:t>Introduction to eXo Training</a:t>
             </a:r>
             <a:endParaRPr lang="en-US" dirty="0"/>
           </a:p>
@@ -10516,7 +10512,6 @@
               <a:rPr lang="en-US" dirty="0" smtClean="0"/>
               <a:t>Portals – 4 hours</a:t>
             </a:r>
-            <a:endParaRPr lang="en-US" dirty="0" smtClean="0"/>
           </a:p>
           <a:p>
             <a:pPr lvl="1"/>
@@ -10559,7 +10554,6 @@
               <a:rPr lang="en-US" dirty="0" smtClean="0"/>
               <a:t>Content – 7 hours</a:t>
             </a:r>
-            <a:endParaRPr lang="en-US" dirty="0" smtClean="0"/>
           </a:p>
           <a:p>
             <a:pPr lvl="1">
@@ -10609,7 +10603,6 @@
               <a:rPr lang="en-US" dirty="0" smtClean="0"/>
               <a:t>, Permissions, Explorer Customizations</a:t>
             </a:r>
-            <a:endParaRPr lang="en-US" dirty="0" smtClean="0"/>
           </a:p>
         </p:txBody>
       </p:sp>
@@ -10632,7 +10625,6 @@
               <a:rPr lang="en-US" dirty="0" smtClean="0"/>
               <a:t>Social, Knowledge, Collaboration – 2 hours</a:t>
             </a:r>
-            <a:endParaRPr lang="en-US" dirty="0" smtClean="0"/>
           </a:p>
           <a:p>
             <a:pPr lvl="1"/>
@@ -10875,7 +10867,7 @@
           <a:p>
             <a:r>
               <a:rPr lang="en-US" dirty="0" smtClean="0"/>
-              <a:t>Content Customizations – 2 hours</a:t>
+              <a:t>Discussion</a:t>
             </a:r>
             <a:endParaRPr lang="en-US" dirty="0"/>
           </a:p>
@@ -11049,13 +11041,8 @@
             <a:pPr lvl="1"/>
             <a:r>
               <a:rPr lang="en-US" dirty="0" smtClean="0"/>
-              <a:t>1 morning break, </a:t>
-            </a:r>
-            <a:r>
-              <a:rPr lang="en-US" dirty="0" smtClean="0"/>
-              <a:t>lunch break, 2 afternoon breaks</a:t>
-            </a:r>
-            <a:endParaRPr lang="en-US" dirty="0" smtClean="0"/>
+              <a:t>1 morning break, lunch break, 2 afternoon breaks</a:t>
+            </a:r>
           </a:p>
           <a:p>
             <a:r>
@@ -11151,11 +11138,11 @@
   <p:clrMapOvr>
     <a:masterClrMapping/>
   </p:clrMapOvr>
-  <mc:AlternateContent xmlns:mc="http://schemas.openxmlformats.org/markup-compatibility/2006">
-    <mc:Choice xmlns:p14="http://schemas.microsoft.com/office/powerpoint/2010/main" Requires="p14">
+  <mc:AlternateContent xmlns:mc="http://schemas.openxmlformats.org/markup-compatibility/2006" xmlns:p14="http://schemas.microsoft.com/office/powerpoint/2010/main">
+    <mc:Choice Requires="p14">
       <p:transition spd="slow" p14:dur="2000"/>
     </mc:Choice>
-    <mc:Fallback>
+    <mc:Fallback xmlns="">
       <p:transition xmlns:p14="http://schemas.microsoft.com/office/powerpoint/2010/main" spd="slow"/>
     </mc:Fallback>
   </mc:AlternateContent>
